--- a/for_students/DAY-2/ppt/dev1_07.pptx
+++ b/for_students/DAY-2/ppt/dev1_07.pptx
@@ -10,19 +10,24 @@
     <p:sldId id="258" r:id="rId4"/>
     <p:sldId id="271" r:id="rId5"/>
     <p:sldId id="272" r:id="rId6"/>
-    <p:sldId id="273" r:id="rId7"/>
-    <p:sldId id="274" r:id="rId8"/>
-    <p:sldId id="275" r:id="rId9"/>
-    <p:sldId id="276" r:id="rId10"/>
-    <p:sldId id="277" r:id="rId11"/>
-    <p:sldId id="278" r:id="rId12"/>
-    <p:sldId id="279" r:id="rId13"/>
-    <p:sldId id="280" r:id="rId14"/>
-    <p:sldId id="281" r:id="rId15"/>
-    <p:sldId id="282" r:id="rId16"/>
-    <p:sldId id="283" r:id="rId17"/>
-    <p:sldId id="284" r:id="rId18"/>
-    <p:sldId id="285" r:id="rId19"/>
+    <p:sldId id="289" r:id="rId7"/>
+    <p:sldId id="290" r:id="rId8"/>
+    <p:sldId id="273" r:id="rId9"/>
+    <p:sldId id="274" r:id="rId10"/>
+    <p:sldId id="275" r:id="rId11"/>
+    <p:sldId id="276" r:id="rId12"/>
+    <p:sldId id="277" r:id="rId13"/>
+    <p:sldId id="278" r:id="rId14"/>
+    <p:sldId id="279" r:id="rId15"/>
+    <p:sldId id="288" r:id="rId16"/>
+    <p:sldId id="286" r:id="rId17"/>
+    <p:sldId id="287" r:id="rId18"/>
+    <p:sldId id="280" r:id="rId19"/>
+    <p:sldId id="281" r:id="rId20"/>
+    <p:sldId id="282" r:id="rId21"/>
+    <p:sldId id="283" r:id="rId22"/>
+    <p:sldId id="284" r:id="rId23"/>
+    <p:sldId id="285" r:id="rId24"/>
   </p:sldIdLst>
   <p:sldSz cx="12192000" cy="6858000"/>
   <p:notesSz cx="6858000" cy="9144000"/>
@@ -276,7 +281,7 @@
           <a:p>
             <a:fld id="{EF790F8C-5FB9-4EFE-BCC7-F735A3026FD8}" type="datetimeFigureOut">
               <a:rPr lang="ru-RU" smtClean="0"/>
-              <a:t>20.09.2024</a:t>
+              <a:t>21.09.2024</a:t>
             </a:fld>
             <a:endParaRPr lang="ru-RU"/>
           </a:p>
@@ -474,7 +479,7 @@
           <a:p>
             <a:fld id="{EF790F8C-5FB9-4EFE-BCC7-F735A3026FD8}" type="datetimeFigureOut">
               <a:rPr lang="ru-RU" smtClean="0"/>
-              <a:t>20.09.2024</a:t>
+              <a:t>21.09.2024</a:t>
             </a:fld>
             <a:endParaRPr lang="ru-RU"/>
           </a:p>
@@ -682,7 +687,7 @@
           <a:p>
             <a:fld id="{EF790F8C-5FB9-4EFE-BCC7-F735A3026FD8}" type="datetimeFigureOut">
               <a:rPr lang="ru-RU" smtClean="0"/>
-              <a:t>20.09.2024</a:t>
+              <a:t>21.09.2024</a:t>
             </a:fld>
             <a:endParaRPr lang="ru-RU"/>
           </a:p>
@@ -1694,7 +1699,7 @@
           <a:p>
             <a:fld id="{EF790F8C-5FB9-4EFE-BCC7-F735A3026FD8}" type="datetimeFigureOut">
               <a:rPr lang="ru-RU" smtClean="0"/>
-              <a:t>20.09.2024</a:t>
+              <a:t>21.09.2024</a:t>
             </a:fld>
             <a:endParaRPr lang="ru-RU"/>
           </a:p>
@@ -2805,7 +2810,7 @@
           <a:p>
             <a:fld id="{EF790F8C-5FB9-4EFE-BCC7-F735A3026FD8}" type="datetimeFigureOut">
               <a:rPr lang="ru-RU" smtClean="0"/>
-              <a:t>20.09.2024</a:t>
+              <a:t>21.09.2024</a:t>
             </a:fld>
             <a:endParaRPr lang="ru-RU"/>
           </a:p>
@@ -3080,7 +3085,7 @@
           <a:p>
             <a:fld id="{EF790F8C-5FB9-4EFE-BCC7-F735A3026FD8}" type="datetimeFigureOut">
               <a:rPr lang="ru-RU" smtClean="0"/>
-              <a:t>20.09.2024</a:t>
+              <a:t>21.09.2024</a:t>
             </a:fld>
             <a:endParaRPr lang="ru-RU"/>
           </a:p>
@@ -3345,7 +3350,7 @@
           <a:p>
             <a:fld id="{EF790F8C-5FB9-4EFE-BCC7-F735A3026FD8}" type="datetimeFigureOut">
               <a:rPr lang="ru-RU" smtClean="0"/>
-              <a:t>20.09.2024</a:t>
+              <a:t>21.09.2024</a:t>
             </a:fld>
             <a:endParaRPr lang="ru-RU"/>
           </a:p>
@@ -3757,7 +3762,7 @@
           <a:p>
             <a:fld id="{EF790F8C-5FB9-4EFE-BCC7-F735A3026FD8}" type="datetimeFigureOut">
               <a:rPr lang="ru-RU" smtClean="0"/>
-              <a:t>20.09.2024</a:t>
+              <a:t>21.09.2024</a:t>
             </a:fld>
             <a:endParaRPr lang="ru-RU"/>
           </a:p>
@@ -3898,7 +3903,7 @@
           <a:p>
             <a:fld id="{EF790F8C-5FB9-4EFE-BCC7-F735A3026FD8}" type="datetimeFigureOut">
               <a:rPr lang="ru-RU" smtClean="0"/>
-              <a:t>20.09.2024</a:t>
+              <a:t>21.09.2024</a:t>
             </a:fld>
             <a:endParaRPr lang="ru-RU"/>
           </a:p>
@@ -4011,7 +4016,7 @@
           <a:p>
             <a:fld id="{EF790F8C-5FB9-4EFE-BCC7-F735A3026FD8}" type="datetimeFigureOut">
               <a:rPr lang="ru-RU" smtClean="0"/>
-              <a:t>20.09.2024</a:t>
+              <a:t>21.09.2024</a:t>
             </a:fld>
             <a:endParaRPr lang="ru-RU"/>
           </a:p>
@@ -4322,7 +4327,7 @@
           <a:p>
             <a:fld id="{EF790F8C-5FB9-4EFE-BCC7-F735A3026FD8}" type="datetimeFigureOut">
               <a:rPr lang="ru-RU" smtClean="0"/>
-              <a:t>20.09.2024</a:t>
+              <a:t>21.09.2024</a:t>
             </a:fld>
             <a:endParaRPr lang="ru-RU"/>
           </a:p>
@@ -4610,7 +4615,7 @@
           <a:p>
             <a:fld id="{EF790F8C-5FB9-4EFE-BCC7-F735A3026FD8}" type="datetimeFigureOut">
               <a:rPr lang="ru-RU" smtClean="0"/>
-              <a:t>20.09.2024</a:t>
+              <a:t>21.09.2024</a:t>
             </a:fld>
             <a:endParaRPr lang="ru-RU"/>
           </a:p>
@@ -4851,7 +4856,7 @@
           <a:p>
             <a:fld id="{EF790F8C-5FB9-4EFE-BCC7-F735A3026FD8}" type="datetimeFigureOut">
               <a:rPr lang="ru-RU" smtClean="0"/>
-              <a:t>20.09.2024</a:t>
+              <a:t>21.09.2024</a:t>
             </a:fld>
             <a:endParaRPr lang="ru-RU"/>
           </a:p>
@@ -6189,7 +6194,7 @@
           <p:cNvPr id="2" name="Рисунок 1">
             <a:extLst>
               <a:ext uri="{FF2B5EF4-FFF2-40B4-BE49-F238E27FC236}">
-                <a16:creationId xmlns:a16="http://schemas.microsoft.com/office/drawing/2014/main" id="{E9E322FE-C746-47AC-BD65-D12C78E44388}"/>
+                <a16:creationId xmlns:a16="http://schemas.microsoft.com/office/drawing/2014/main" id="{A13616E8-2589-42DE-9FC6-33222F5C654A}"/>
               </a:ext>
             </a:extLst>
           </p:cNvPr>
@@ -6206,8 +6211,8 @@
         </p:blipFill>
         <p:spPr>
           <a:xfrm>
-            <a:off x="1526992" y="0"/>
-            <a:ext cx="9138015" cy="6858000"/>
+            <a:off x="1529992" y="0"/>
+            <a:ext cx="9132016" cy="6858000"/>
           </a:xfrm>
           <a:prstGeom prst="rect">
             <a:avLst/>
@@ -6217,7 +6222,7 @@
     </p:spTree>
     <p:extLst>
       <p:ext uri="{BB962C8B-B14F-4D97-AF65-F5344CB8AC3E}">
-        <p14:creationId xmlns:p14="http://schemas.microsoft.com/office/powerpoint/2010/main" val="132553828"/>
+        <p14:creationId xmlns:p14="http://schemas.microsoft.com/office/powerpoint/2010/main" val="94728922"/>
       </p:ext>
     </p:extLst>
   </p:cSld>
@@ -6246,10 +6251,10 @@
       </p:grpSpPr>
       <p:pic>
         <p:nvPicPr>
-          <p:cNvPr id="3" name="Рисунок 2">
-            <a:extLst>
-              <a:ext uri="{FF2B5EF4-FFF2-40B4-BE49-F238E27FC236}">
-                <a16:creationId xmlns:a16="http://schemas.microsoft.com/office/drawing/2014/main" id="{618F0C02-422D-412D-9D23-AC0FEC2A28E0}"/>
+          <p:cNvPr id="2" name="Рисунок 1">
+            <a:extLst>
+              <a:ext uri="{FF2B5EF4-FFF2-40B4-BE49-F238E27FC236}">
+                <a16:creationId xmlns:a16="http://schemas.microsoft.com/office/drawing/2014/main" id="{D0BAAD27-ADF4-4991-9513-C5B89B1D2D70}"/>
               </a:ext>
             </a:extLst>
           </p:cNvPr>
@@ -6266,8 +6271,8 @@
         </p:blipFill>
         <p:spPr>
           <a:xfrm>
-            <a:off x="1525498" y="0"/>
-            <a:ext cx="9141004" cy="6858000"/>
+            <a:off x="1543474" y="0"/>
+            <a:ext cx="9105052" cy="6858000"/>
           </a:xfrm>
           <a:prstGeom prst="rect">
             <a:avLst/>
@@ -6277,7 +6282,7 @@
     </p:spTree>
     <p:extLst>
       <p:ext uri="{BB962C8B-B14F-4D97-AF65-F5344CB8AC3E}">
-        <p14:creationId xmlns:p14="http://schemas.microsoft.com/office/powerpoint/2010/main" val="2343922531"/>
+        <p14:creationId xmlns:p14="http://schemas.microsoft.com/office/powerpoint/2010/main" val="2752426826"/>
       </p:ext>
     </p:extLst>
   </p:cSld>
@@ -6306,10 +6311,10 @@
       </p:grpSpPr>
       <p:pic>
         <p:nvPicPr>
-          <p:cNvPr id="3" name="Рисунок 2">
-            <a:extLst>
-              <a:ext uri="{FF2B5EF4-FFF2-40B4-BE49-F238E27FC236}">
-                <a16:creationId xmlns:a16="http://schemas.microsoft.com/office/drawing/2014/main" id="{A5FF6F4D-2008-4BC1-A899-8B6E6FE177CE}"/>
+          <p:cNvPr id="2" name="Рисунок 1">
+            <a:extLst>
+              <a:ext uri="{FF2B5EF4-FFF2-40B4-BE49-F238E27FC236}">
+                <a16:creationId xmlns:a16="http://schemas.microsoft.com/office/drawing/2014/main" id="{E9E322FE-C746-47AC-BD65-D12C78E44388}"/>
               </a:ext>
             </a:extLst>
           </p:cNvPr>
@@ -6326,8 +6331,8 @@
         </p:blipFill>
         <p:spPr>
           <a:xfrm>
-            <a:off x="1535922" y="0"/>
-            <a:ext cx="9120156" cy="6858000"/>
+            <a:off x="1526992" y="0"/>
+            <a:ext cx="9138015" cy="6858000"/>
           </a:xfrm>
           <a:prstGeom prst="rect">
             <a:avLst/>
@@ -6337,7 +6342,7 @@
     </p:spTree>
     <p:extLst>
       <p:ext uri="{BB962C8B-B14F-4D97-AF65-F5344CB8AC3E}">
-        <p14:creationId xmlns:p14="http://schemas.microsoft.com/office/powerpoint/2010/main" val="1102133431"/>
+        <p14:creationId xmlns:p14="http://schemas.microsoft.com/office/powerpoint/2010/main" val="132553828"/>
       </p:ext>
     </p:extLst>
   </p:cSld>
@@ -6369,7 +6374,7 @@
           <p:cNvPr id="3" name="Рисунок 2">
             <a:extLst>
               <a:ext uri="{FF2B5EF4-FFF2-40B4-BE49-F238E27FC236}">
-                <a16:creationId xmlns:a16="http://schemas.microsoft.com/office/drawing/2014/main" id="{7C05270E-AEF7-4497-B6E2-2B8D3DA1BFB1}"/>
+                <a16:creationId xmlns:a16="http://schemas.microsoft.com/office/drawing/2014/main" id="{618F0C02-422D-412D-9D23-AC0FEC2A28E0}"/>
               </a:ext>
             </a:extLst>
           </p:cNvPr>
@@ -6386,8 +6391,8 @@
         </p:blipFill>
         <p:spPr>
           <a:xfrm>
-            <a:off x="1531451" y="0"/>
-            <a:ext cx="9129097" cy="6858000"/>
+            <a:off x="1525498" y="0"/>
+            <a:ext cx="9141004" cy="6858000"/>
           </a:xfrm>
           <a:prstGeom prst="rect">
             <a:avLst/>
@@ -6397,7 +6402,7 @@
     </p:spTree>
     <p:extLst>
       <p:ext uri="{BB962C8B-B14F-4D97-AF65-F5344CB8AC3E}">
-        <p14:creationId xmlns:p14="http://schemas.microsoft.com/office/powerpoint/2010/main" val="1401679065"/>
+        <p14:creationId xmlns:p14="http://schemas.microsoft.com/office/powerpoint/2010/main" val="2343922531"/>
       </p:ext>
     </p:extLst>
   </p:cSld>
@@ -6429,7 +6434,7 @@
           <p:cNvPr id="2" name="Рисунок 1">
             <a:extLst>
               <a:ext uri="{FF2B5EF4-FFF2-40B4-BE49-F238E27FC236}">
-                <a16:creationId xmlns:a16="http://schemas.microsoft.com/office/drawing/2014/main" id="{A2D57C8F-542A-4CE6-B898-645C3A683088}"/>
+                <a16:creationId xmlns:a16="http://schemas.microsoft.com/office/drawing/2014/main" id="{B7C74A5A-D6F9-48F7-B892-2A4879C6B7C2}"/>
               </a:ext>
             </a:extLst>
           </p:cNvPr>
@@ -6446,8 +6451,8 @@
         </p:blipFill>
         <p:spPr>
           <a:xfrm>
-            <a:off x="1543398" y="0"/>
-            <a:ext cx="9105204" cy="6858000"/>
+            <a:off x="1538863" y="0"/>
+            <a:ext cx="9114274" cy="6858000"/>
           </a:xfrm>
           <a:prstGeom prst="rect">
             <a:avLst/>
@@ -6457,7 +6462,7 @@
     </p:spTree>
     <p:extLst>
       <p:ext uri="{BB962C8B-B14F-4D97-AF65-F5344CB8AC3E}">
-        <p14:creationId xmlns:p14="http://schemas.microsoft.com/office/powerpoint/2010/main" val="2074684787"/>
+        <p14:creationId xmlns:p14="http://schemas.microsoft.com/office/powerpoint/2010/main" val="3560410743"/>
       </p:ext>
     </p:extLst>
   </p:cSld>
@@ -6486,10 +6491,10 @@
       </p:grpSpPr>
       <p:pic>
         <p:nvPicPr>
-          <p:cNvPr id="2" name="Рисунок 1">
-            <a:extLst>
-              <a:ext uri="{FF2B5EF4-FFF2-40B4-BE49-F238E27FC236}">
-                <a16:creationId xmlns:a16="http://schemas.microsoft.com/office/drawing/2014/main" id="{B6729998-6048-4885-A4C4-78D9CA2D6C0F}"/>
+          <p:cNvPr id="4" name="Рисунок 3">
+            <a:extLst>
+              <a:ext uri="{FF2B5EF4-FFF2-40B4-BE49-F238E27FC236}">
+                <a16:creationId xmlns:a16="http://schemas.microsoft.com/office/drawing/2014/main" id="{73982721-F20D-4612-8F44-2E3C6FAE2B85}"/>
               </a:ext>
             </a:extLst>
           </p:cNvPr>
@@ -6506,18 +6511,63 @@
         </p:blipFill>
         <p:spPr>
           <a:xfrm>
-            <a:off x="1509039" y="0"/>
-            <a:ext cx="9173921" cy="6858000"/>
+            <a:off x="2181137" y="2084358"/>
+            <a:ext cx="7829725" cy="3527877"/>
           </a:xfrm>
           <a:prstGeom prst="rect">
             <a:avLst/>
           </a:prstGeom>
         </p:spPr>
       </p:pic>
+      <p:sp>
+        <p:nvSpPr>
+          <p:cNvPr id="7" name="Прямоугольник 6">
+            <a:extLst>
+              <a:ext uri="{FF2B5EF4-FFF2-40B4-BE49-F238E27FC236}">
+                <a16:creationId xmlns:a16="http://schemas.microsoft.com/office/drawing/2014/main" id="{B8DBD131-8EB9-49D2-B869-F53E74A3AAE5}"/>
+              </a:ext>
+            </a:extLst>
+          </p:cNvPr>
+          <p:cNvSpPr/>
+          <p:nvPr/>
+        </p:nvSpPr>
+        <p:spPr>
+          <a:xfrm>
+            <a:off x="1015757" y="509523"/>
+            <a:ext cx="9931758" cy="584775"/>
+          </a:xfrm>
+          <a:prstGeom prst="rect">
+            <a:avLst/>
+          </a:prstGeom>
+        </p:spPr>
+        <p:txBody>
+          <a:bodyPr wrap="none">
+            <a:spAutoFit/>
+          </a:bodyPr>
+          <a:lstStyle/>
+          <a:p>
+            <a:r>
+              <a:rPr lang="ru-RU" sz="3200" b="1" dirty="0">
+                <a:solidFill>
+                  <a:srgbClr val="0070C0"/>
+                </a:solidFill>
+                <a:effectLst>
+                  <a:outerShdw blurRad="38100" dist="38100" dir="2700000" algn="tl">
+                    <a:srgbClr val="000000">
+                      <a:alpha val="43137"/>
+                    </a:srgbClr>
+                  </a:outerShdw>
+                </a:effectLst>
+              </a:rPr>
+              <a:t>Схема данных приложения состоит из четырех таблиц</a:t>
+            </a:r>
+          </a:p>
+        </p:txBody>
+      </p:sp>
     </p:spTree>
     <p:extLst>
       <p:ext uri="{BB962C8B-B14F-4D97-AF65-F5344CB8AC3E}">
-        <p14:creationId xmlns:p14="http://schemas.microsoft.com/office/powerpoint/2010/main" val="3324844830"/>
+        <p14:creationId xmlns:p14="http://schemas.microsoft.com/office/powerpoint/2010/main" val="961432175"/>
       </p:ext>
     </p:extLst>
   </p:cSld>
@@ -6546,10 +6596,10 @@
       </p:grpSpPr>
       <p:pic>
         <p:nvPicPr>
-          <p:cNvPr id="2" name="Рисунок 1">
-            <a:extLst>
-              <a:ext uri="{FF2B5EF4-FFF2-40B4-BE49-F238E27FC236}">
-                <a16:creationId xmlns:a16="http://schemas.microsoft.com/office/drawing/2014/main" id="{B7C74A5A-D6F9-48F7-B892-2A4879C6B7C2}"/>
+          <p:cNvPr id="5" name="Рисунок 4">
+            <a:extLst>
+              <a:ext uri="{FF2B5EF4-FFF2-40B4-BE49-F238E27FC236}">
+                <a16:creationId xmlns:a16="http://schemas.microsoft.com/office/drawing/2014/main" id="{41B16694-9864-4E7F-9090-29AE38977C37}"/>
               </a:ext>
             </a:extLst>
           </p:cNvPr>
@@ -6566,18 +6616,90 @@
         </p:blipFill>
         <p:spPr>
           <a:xfrm>
-            <a:off x="1538863" y="0"/>
-            <a:ext cx="9114274" cy="6858000"/>
+            <a:off x="685204" y="1999060"/>
+            <a:ext cx="10489143" cy="3732334"/>
           </a:xfrm>
           <a:prstGeom prst="rect">
             <a:avLst/>
           </a:prstGeom>
         </p:spPr>
       </p:pic>
+      <p:sp>
+        <p:nvSpPr>
+          <p:cNvPr id="6" name="Прямоугольник 5">
+            <a:extLst>
+              <a:ext uri="{FF2B5EF4-FFF2-40B4-BE49-F238E27FC236}">
+                <a16:creationId xmlns:a16="http://schemas.microsoft.com/office/drawing/2014/main" id="{AFDA8198-4BF9-47FC-864A-59CF1E6D72A2}"/>
+              </a:ext>
+            </a:extLst>
+          </p:cNvPr>
+          <p:cNvSpPr/>
+          <p:nvPr/>
+        </p:nvSpPr>
+        <p:spPr>
+          <a:xfrm>
+            <a:off x="4472022" y="324966"/>
+            <a:ext cx="1358064" cy="584775"/>
+          </a:xfrm>
+          <a:prstGeom prst="rect">
+            <a:avLst/>
+          </a:prstGeom>
+        </p:spPr>
+        <p:txBody>
+          <a:bodyPr wrap="none">
+            <a:spAutoFit/>
+          </a:bodyPr>
+          <a:lstStyle/>
+          <a:p>
+            <a:r>
+              <a:rPr lang="ru-RU" sz="3200" b="1" dirty="0">
+                <a:solidFill>
+                  <a:srgbClr val="0070C0"/>
+                </a:solidFill>
+                <a:effectLst>
+                  <a:outerShdw blurRad="38100" dist="38100" dir="2700000" algn="tl">
+                    <a:srgbClr val="000000">
+                      <a:alpha val="43137"/>
+                    </a:srgbClr>
+                  </a:outerShdw>
+                </a:effectLst>
+              </a:rPr>
+              <a:t>Книги</a:t>
+            </a:r>
+            <a:r>
+              <a:rPr lang="en-US" sz="3200" b="1" dirty="0">
+                <a:solidFill>
+                  <a:srgbClr val="0070C0"/>
+                </a:solidFill>
+                <a:effectLst>
+                  <a:outerShdw blurRad="38100" dist="38100" dir="2700000" algn="tl">
+                    <a:srgbClr val="000000">
+                      <a:alpha val="43137"/>
+                    </a:srgbClr>
+                  </a:outerShdw>
+                </a:effectLst>
+              </a:rPr>
+              <a:t>:</a:t>
+            </a:r>
+            <a:endParaRPr lang="ru-RU" sz="3200" b="1" dirty="0">
+              <a:solidFill>
+                <a:srgbClr val="0070C0"/>
+              </a:solidFill>
+              <a:effectLst>
+                <a:outerShdw blurRad="38100" dist="38100" dir="2700000" algn="tl">
+                  <a:srgbClr val="000000">
+                    <a:alpha val="43137"/>
+                  </a:srgbClr>
+                </a:outerShdw>
+              </a:effectLst>
+            </a:endParaRPr>
+          </a:p>
+        </p:txBody>
+      </p:sp>
     </p:spTree>
     <p:extLst>
       <p:ext uri="{BB962C8B-B14F-4D97-AF65-F5344CB8AC3E}">
-        <p14:creationId xmlns:p14="http://schemas.microsoft.com/office/powerpoint/2010/main" val="497795920"/>
+        <p14:creationId xmlns:p14="http://schemas.microsoft.com/office/powerpoint/2010/main" val="2947458397"/>
       </p:ext>
     </p:extLst>
   </p:cSld>
@@ -6609,7 +6731,7 @@
           <p:cNvPr id="3" name="Рисунок 2">
             <a:extLst>
               <a:ext uri="{FF2B5EF4-FFF2-40B4-BE49-F238E27FC236}">
-                <a16:creationId xmlns:a16="http://schemas.microsoft.com/office/drawing/2014/main" id="{3B54A74B-BDBA-4A7F-87AC-2211D14A8FCB}"/>
+                <a16:creationId xmlns:a16="http://schemas.microsoft.com/office/drawing/2014/main" id="{A5FF6F4D-2008-4BC1-A899-8B6E6FE177CE}"/>
               </a:ext>
             </a:extLst>
           </p:cNvPr>
@@ -6626,8 +6748,8 @@
         </p:blipFill>
         <p:spPr>
           <a:xfrm>
-            <a:off x="1546324" y="0"/>
-            <a:ext cx="9099352" cy="6858000"/>
+            <a:off x="1535922" y="0"/>
+            <a:ext cx="9120156" cy="6858000"/>
           </a:xfrm>
           <a:prstGeom prst="rect">
             <a:avLst/>
@@ -6637,7 +6759,127 @@
     </p:spTree>
     <p:extLst>
       <p:ext uri="{BB962C8B-B14F-4D97-AF65-F5344CB8AC3E}">
-        <p14:creationId xmlns:p14="http://schemas.microsoft.com/office/powerpoint/2010/main" val="1309304483"/>
+        <p14:creationId xmlns:p14="http://schemas.microsoft.com/office/powerpoint/2010/main" val="1102133431"/>
+      </p:ext>
+    </p:extLst>
+  </p:cSld>
+  <p:clrMapOvr>
+    <a:masterClrMapping/>
+  </p:clrMapOvr>
+</p:sld>
+</file>
+
+<file path=ppt/slides/slide18.xml><?xml version="1.0" encoding="utf-8"?>
+<p:sld xmlns:a="http://schemas.openxmlformats.org/drawingml/2006/main" xmlns:r="http://schemas.openxmlformats.org/officeDocument/2006/relationships" xmlns:p="http://schemas.openxmlformats.org/presentationml/2006/main">
+  <p:cSld>
+    <p:spTree>
+      <p:nvGrpSpPr>
+        <p:cNvPr id="1" name=""/>
+        <p:cNvGrpSpPr/>
+        <p:nvPr/>
+      </p:nvGrpSpPr>
+      <p:grpSpPr>
+        <a:xfrm>
+          <a:off x="0" y="0"/>
+          <a:ext cx="0" cy="0"/>
+          <a:chOff x="0" y="0"/>
+          <a:chExt cx="0" cy="0"/>
+        </a:xfrm>
+      </p:grpSpPr>
+      <p:pic>
+        <p:nvPicPr>
+          <p:cNvPr id="3" name="Рисунок 2">
+            <a:extLst>
+              <a:ext uri="{FF2B5EF4-FFF2-40B4-BE49-F238E27FC236}">
+                <a16:creationId xmlns:a16="http://schemas.microsoft.com/office/drawing/2014/main" id="{7C05270E-AEF7-4497-B6E2-2B8D3DA1BFB1}"/>
+              </a:ext>
+            </a:extLst>
+          </p:cNvPr>
+          <p:cNvPicPr>
+            <a:picLocks noChangeAspect="1"/>
+          </p:cNvPicPr>
+          <p:nvPr/>
+        </p:nvPicPr>
+        <p:blipFill>
+          <a:blip r:embed="rId2"/>
+          <a:stretch>
+            <a:fillRect/>
+          </a:stretch>
+        </p:blipFill>
+        <p:spPr>
+          <a:xfrm>
+            <a:off x="1531451" y="0"/>
+            <a:ext cx="9129097" cy="6858000"/>
+          </a:xfrm>
+          <a:prstGeom prst="rect">
+            <a:avLst/>
+          </a:prstGeom>
+        </p:spPr>
+      </p:pic>
+    </p:spTree>
+    <p:extLst>
+      <p:ext uri="{BB962C8B-B14F-4D97-AF65-F5344CB8AC3E}">
+        <p14:creationId xmlns:p14="http://schemas.microsoft.com/office/powerpoint/2010/main" val="1401679065"/>
+      </p:ext>
+    </p:extLst>
+  </p:cSld>
+  <p:clrMapOvr>
+    <a:masterClrMapping/>
+  </p:clrMapOvr>
+</p:sld>
+</file>
+
+<file path=ppt/slides/slide19.xml><?xml version="1.0" encoding="utf-8"?>
+<p:sld xmlns:a="http://schemas.openxmlformats.org/drawingml/2006/main" xmlns:r="http://schemas.openxmlformats.org/officeDocument/2006/relationships" xmlns:p="http://schemas.openxmlformats.org/presentationml/2006/main">
+  <p:cSld>
+    <p:spTree>
+      <p:nvGrpSpPr>
+        <p:cNvPr id="1" name=""/>
+        <p:cNvGrpSpPr/>
+        <p:nvPr/>
+      </p:nvGrpSpPr>
+      <p:grpSpPr>
+        <a:xfrm>
+          <a:off x="0" y="0"/>
+          <a:ext cx="0" cy="0"/>
+          <a:chOff x="0" y="0"/>
+          <a:chExt cx="0" cy="0"/>
+        </a:xfrm>
+      </p:grpSpPr>
+      <p:pic>
+        <p:nvPicPr>
+          <p:cNvPr id="2" name="Рисунок 1">
+            <a:extLst>
+              <a:ext uri="{FF2B5EF4-FFF2-40B4-BE49-F238E27FC236}">
+                <a16:creationId xmlns:a16="http://schemas.microsoft.com/office/drawing/2014/main" id="{A2D57C8F-542A-4CE6-B898-645C3A683088}"/>
+              </a:ext>
+            </a:extLst>
+          </p:cNvPr>
+          <p:cNvPicPr>
+            <a:picLocks noChangeAspect="1"/>
+          </p:cNvPicPr>
+          <p:nvPr/>
+        </p:nvPicPr>
+        <p:blipFill>
+          <a:blip r:embed="rId2"/>
+          <a:stretch>
+            <a:fillRect/>
+          </a:stretch>
+        </p:blipFill>
+        <p:spPr>
+          <a:xfrm>
+            <a:off x="1543398" y="0"/>
+            <a:ext cx="9105204" cy="6858000"/>
+          </a:xfrm>
+          <a:prstGeom prst="rect">
+            <a:avLst/>
+          </a:prstGeom>
+        </p:spPr>
+      </p:pic>
+    </p:spTree>
+    <p:extLst>
+      <p:ext uri="{BB962C8B-B14F-4D97-AF65-F5344CB8AC3E}">
+        <p14:creationId xmlns:p14="http://schemas.microsoft.com/office/powerpoint/2010/main" val="2074684787"/>
       </p:ext>
     </p:extLst>
   </p:cSld>
@@ -6698,6 +6940,186 @@
     <p:extLst>
       <p:ext uri="{BB962C8B-B14F-4D97-AF65-F5344CB8AC3E}">
         <p14:creationId xmlns:p14="http://schemas.microsoft.com/office/powerpoint/2010/main" val="3511439029"/>
+      </p:ext>
+    </p:extLst>
+  </p:cSld>
+  <p:clrMapOvr>
+    <a:masterClrMapping/>
+  </p:clrMapOvr>
+</p:sld>
+</file>
+
+<file path=ppt/slides/slide20.xml><?xml version="1.0" encoding="utf-8"?>
+<p:sld xmlns:a="http://schemas.openxmlformats.org/drawingml/2006/main" xmlns:r="http://schemas.openxmlformats.org/officeDocument/2006/relationships" xmlns:p="http://schemas.openxmlformats.org/presentationml/2006/main">
+  <p:cSld>
+    <p:spTree>
+      <p:nvGrpSpPr>
+        <p:cNvPr id="1" name=""/>
+        <p:cNvGrpSpPr/>
+        <p:nvPr/>
+      </p:nvGrpSpPr>
+      <p:grpSpPr>
+        <a:xfrm>
+          <a:off x="0" y="0"/>
+          <a:ext cx="0" cy="0"/>
+          <a:chOff x="0" y="0"/>
+          <a:chExt cx="0" cy="0"/>
+        </a:xfrm>
+      </p:grpSpPr>
+      <p:pic>
+        <p:nvPicPr>
+          <p:cNvPr id="2" name="Рисунок 1">
+            <a:extLst>
+              <a:ext uri="{FF2B5EF4-FFF2-40B4-BE49-F238E27FC236}">
+                <a16:creationId xmlns:a16="http://schemas.microsoft.com/office/drawing/2014/main" id="{B6729998-6048-4885-A4C4-78D9CA2D6C0F}"/>
+              </a:ext>
+            </a:extLst>
+          </p:cNvPr>
+          <p:cNvPicPr>
+            <a:picLocks noChangeAspect="1"/>
+          </p:cNvPicPr>
+          <p:nvPr/>
+        </p:nvPicPr>
+        <p:blipFill>
+          <a:blip r:embed="rId2"/>
+          <a:stretch>
+            <a:fillRect/>
+          </a:stretch>
+        </p:blipFill>
+        <p:spPr>
+          <a:xfrm>
+            <a:off x="1509039" y="0"/>
+            <a:ext cx="9173921" cy="6858000"/>
+          </a:xfrm>
+          <a:prstGeom prst="rect">
+            <a:avLst/>
+          </a:prstGeom>
+        </p:spPr>
+      </p:pic>
+    </p:spTree>
+    <p:extLst>
+      <p:ext uri="{BB962C8B-B14F-4D97-AF65-F5344CB8AC3E}">
+        <p14:creationId xmlns:p14="http://schemas.microsoft.com/office/powerpoint/2010/main" val="3324844830"/>
+      </p:ext>
+    </p:extLst>
+  </p:cSld>
+  <p:clrMapOvr>
+    <a:masterClrMapping/>
+  </p:clrMapOvr>
+</p:sld>
+</file>
+
+<file path=ppt/slides/slide21.xml><?xml version="1.0" encoding="utf-8"?>
+<p:sld xmlns:a="http://schemas.openxmlformats.org/drawingml/2006/main" xmlns:r="http://schemas.openxmlformats.org/officeDocument/2006/relationships" xmlns:p="http://schemas.openxmlformats.org/presentationml/2006/main">
+  <p:cSld>
+    <p:spTree>
+      <p:nvGrpSpPr>
+        <p:cNvPr id="1" name=""/>
+        <p:cNvGrpSpPr/>
+        <p:nvPr/>
+      </p:nvGrpSpPr>
+      <p:grpSpPr>
+        <a:xfrm>
+          <a:off x="0" y="0"/>
+          <a:ext cx="0" cy="0"/>
+          <a:chOff x="0" y="0"/>
+          <a:chExt cx="0" cy="0"/>
+        </a:xfrm>
+      </p:grpSpPr>
+      <p:pic>
+        <p:nvPicPr>
+          <p:cNvPr id="2" name="Рисунок 1">
+            <a:extLst>
+              <a:ext uri="{FF2B5EF4-FFF2-40B4-BE49-F238E27FC236}">
+                <a16:creationId xmlns:a16="http://schemas.microsoft.com/office/drawing/2014/main" id="{B7C74A5A-D6F9-48F7-B892-2A4879C6B7C2}"/>
+              </a:ext>
+            </a:extLst>
+          </p:cNvPr>
+          <p:cNvPicPr>
+            <a:picLocks noChangeAspect="1"/>
+          </p:cNvPicPr>
+          <p:nvPr/>
+        </p:nvPicPr>
+        <p:blipFill>
+          <a:blip r:embed="rId2"/>
+          <a:stretch>
+            <a:fillRect/>
+          </a:stretch>
+        </p:blipFill>
+        <p:spPr>
+          <a:xfrm>
+            <a:off x="1538863" y="0"/>
+            <a:ext cx="9114274" cy="6858000"/>
+          </a:xfrm>
+          <a:prstGeom prst="rect">
+            <a:avLst/>
+          </a:prstGeom>
+        </p:spPr>
+      </p:pic>
+    </p:spTree>
+    <p:extLst>
+      <p:ext uri="{BB962C8B-B14F-4D97-AF65-F5344CB8AC3E}">
+        <p14:creationId xmlns:p14="http://schemas.microsoft.com/office/powerpoint/2010/main" val="497795920"/>
+      </p:ext>
+    </p:extLst>
+  </p:cSld>
+  <p:clrMapOvr>
+    <a:masterClrMapping/>
+  </p:clrMapOvr>
+</p:sld>
+</file>
+
+<file path=ppt/slides/slide22.xml><?xml version="1.0" encoding="utf-8"?>
+<p:sld xmlns:a="http://schemas.openxmlformats.org/drawingml/2006/main" xmlns:r="http://schemas.openxmlformats.org/officeDocument/2006/relationships" xmlns:p="http://schemas.openxmlformats.org/presentationml/2006/main">
+  <p:cSld>
+    <p:spTree>
+      <p:nvGrpSpPr>
+        <p:cNvPr id="1" name=""/>
+        <p:cNvGrpSpPr/>
+        <p:nvPr/>
+      </p:nvGrpSpPr>
+      <p:grpSpPr>
+        <a:xfrm>
+          <a:off x="0" y="0"/>
+          <a:ext cx="0" cy="0"/>
+          <a:chOff x="0" y="0"/>
+          <a:chExt cx="0" cy="0"/>
+        </a:xfrm>
+      </p:grpSpPr>
+      <p:pic>
+        <p:nvPicPr>
+          <p:cNvPr id="3" name="Рисунок 2">
+            <a:extLst>
+              <a:ext uri="{FF2B5EF4-FFF2-40B4-BE49-F238E27FC236}">
+                <a16:creationId xmlns:a16="http://schemas.microsoft.com/office/drawing/2014/main" id="{3B54A74B-BDBA-4A7F-87AC-2211D14A8FCB}"/>
+              </a:ext>
+            </a:extLst>
+          </p:cNvPr>
+          <p:cNvPicPr>
+            <a:picLocks noChangeAspect="1"/>
+          </p:cNvPicPr>
+          <p:nvPr/>
+        </p:nvPicPr>
+        <p:blipFill>
+          <a:blip r:embed="rId2"/>
+          <a:stretch>
+            <a:fillRect/>
+          </a:stretch>
+        </p:blipFill>
+        <p:spPr>
+          <a:xfrm>
+            <a:off x="1546324" y="0"/>
+            <a:ext cx="9099352" cy="6858000"/>
+          </a:xfrm>
+          <a:prstGeom prst="rect">
+            <a:avLst/>
+          </a:prstGeom>
+        </p:spPr>
+      </p:pic>
+    </p:spTree>
+    <p:extLst>
+      <p:ext uri="{BB962C8B-B14F-4D97-AF65-F5344CB8AC3E}">
+        <p14:creationId xmlns:p14="http://schemas.microsoft.com/office/powerpoint/2010/main" val="1309304483"/>
       </p:ext>
     </p:extLst>
   </p:cSld>
@@ -6844,40 +7266,206 @@
           <a:chExt cx="0" cy="0"/>
         </a:xfrm>
       </p:grpSpPr>
+      <p:sp>
+        <p:nvSpPr>
+          <p:cNvPr id="2" name="Заголовок 1">
+            <a:extLst>
+              <a:ext uri="{FF2B5EF4-FFF2-40B4-BE49-F238E27FC236}">
+                <a16:creationId xmlns:a16="http://schemas.microsoft.com/office/drawing/2014/main" id="{2ADD0894-E8C0-41ED-8FFE-F82638EA6ACF}"/>
+              </a:ext>
+            </a:extLst>
+          </p:cNvPr>
+          <p:cNvSpPr>
+            <a:spLocks noGrp="1"/>
+          </p:cNvSpPr>
+          <p:nvPr>
+            <p:ph type="title"/>
+          </p:nvPr>
+        </p:nvSpPr>
+        <p:spPr>
+          <a:xfrm>
+            <a:off x="1164672" y="8460"/>
+            <a:ext cx="10515600" cy="1325563"/>
+          </a:xfrm>
+        </p:spPr>
+        <p:txBody>
+          <a:bodyPr/>
+          <a:lstStyle/>
+          <a:p>
+            <a:r>
+              <a:rPr lang="en-US" b="1" dirty="0"/>
+              <a:t>PostgreSQL API (REST API PostgreSQL)</a:t>
+            </a:r>
+            <a:endParaRPr lang="ru-RU" dirty="0"/>
+          </a:p>
+        </p:txBody>
+      </p:sp>
       <p:pic>
         <p:nvPicPr>
-          <p:cNvPr id="2" name="Рисунок 1">
-            <a:extLst>
-              <a:ext uri="{FF2B5EF4-FFF2-40B4-BE49-F238E27FC236}">
-                <a16:creationId xmlns:a16="http://schemas.microsoft.com/office/drawing/2014/main" id="{C8824C66-A1F6-4976-9DDE-02C8BDC88198}"/>
+          <p:cNvPr id="1026" name="Picture 2" descr="Методы HTTP, используемые API-интерфейсами REST PostgreSQL.">
+            <a:extLst>
+              <a:ext uri="{FF2B5EF4-FFF2-40B4-BE49-F238E27FC236}">
+                <a16:creationId xmlns:a16="http://schemas.microsoft.com/office/drawing/2014/main" id="{C04F6037-7307-4FEB-8700-05A66FE859A0}"/>
               </a:ext>
             </a:extLst>
           </p:cNvPr>
           <p:cNvPicPr>
-            <a:picLocks noChangeAspect="1"/>
+            <a:picLocks noChangeAspect="1" noChangeArrowheads="1"/>
           </p:cNvPicPr>
           <p:nvPr/>
         </p:nvPicPr>
         <p:blipFill>
-          <a:blip r:embed="rId2"/>
+          <a:blip r:embed="rId2">
+            <a:extLst>
+              <a:ext uri="{28A0092B-C50C-407E-A947-70E740481C1C}">
+                <a14:useLocalDpi xmlns:a14="http://schemas.microsoft.com/office/drawing/2010/main" val="0"/>
+              </a:ext>
+            </a:extLst>
+          </a:blip>
+          <a:srcRect/>
           <a:stretch>
             <a:fillRect/>
           </a:stretch>
         </p:blipFill>
-        <p:spPr>
-          <a:xfrm>
-            <a:off x="1525498" y="0"/>
-            <a:ext cx="9141004" cy="6858000"/>
+        <p:spPr bwMode="auto">
+          <a:xfrm>
+            <a:off x="662730" y="973080"/>
+            <a:ext cx="9781564" cy="3056739"/>
           </a:xfrm>
           <a:prstGeom prst="rect">
             <a:avLst/>
           </a:prstGeom>
+          <a:noFill/>
+          <a:extLst>
+            <a:ext uri="{909E8E84-426E-40DD-AFC4-6F175D3DCCD1}">
+              <a14:hiddenFill xmlns:a14="http://schemas.microsoft.com/office/drawing/2010/main">
+                <a:solidFill>
+                  <a:srgbClr val="FFFFFF"/>
+                </a:solidFill>
+              </a14:hiddenFill>
+            </a:ext>
+          </a:extLst>
         </p:spPr>
       </p:pic>
+      <p:sp>
+        <p:nvSpPr>
+          <p:cNvPr id="5" name="Прямоугольник 4">
+            <a:extLst>
+              <a:ext uri="{FF2B5EF4-FFF2-40B4-BE49-F238E27FC236}">
+                <a16:creationId xmlns:a16="http://schemas.microsoft.com/office/drawing/2014/main" id="{7154ABFB-7BA8-4734-ADBC-30A7CE8A16F6}"/>
+              </a:ext>
+            </a:extLst>
+          </p:cNvPr>
+          <p:cNvSpPr/>
+          <p:nvPr/>
+        </p:nvSpPr>
+        <p:spPr>
+          <a:xfrm>
+            <a:off x="260059" y="4029819"/>
+            <a:ext cx="11258026" cy="2492990"/>
+          </a:xfrm>
+          <a:prstGeom prst="rect">
+            <a:avLst/>
+          </a:prstGeom>
+        </p:spPr>
+        <p:txBody>
+          <a:bodyPr wrap="square">
+            <a:spAutoFit/>
+          </a:bodyPr>
+          <a:lstStyle/>
+          <a:p>
+            <a:pPr marL="285750" indent="-285750">
+              <a:spcAft>
+                <a:spcPts val="1200"/>
+              </a:spcAft>
+              <a:buFont typeface="Wingdings" panose="05000000000000000000" pitchFamily="2" charset="2"/>
+              <a:buChar char="§"/>
+            </a:pPr>
+            <a:r>
+              <a:rPr lang="ru-RU" dirty="0" err="1"/>
+              <a:t>PostgreSQL</a:t>
+            </a:r>
+            <a:r>
+              <a:rPr lang="ru-RU" dirty="0"/>
+              <a:t> REST API — это веб-служба, которая использует HTTP-запросы, чтобы позволить приложению взаимодействовать с база данных </a:t>
+            </a:r>
+            <a:r>
+              <a:rPr lang="ru-RU" dirty="0" err="1"/>
+              <a:t>PostgreSQL</a:t>
+            </a:r>
+            <a:r>
+              <a:rPr lang="ru-RU" dirty="0"/>
+              <a:t>. </a:t>
+            </a:r>
+            <a:endParaRPr lang="en-US" dirty="0"/>
+          </a:p>
+          <a:p>
+            <a:pPr marL="285750" indent="-285750">
+              <a:spcAft>
+                <a:spcPts val="1200"/>
+              </a:spcAft>
+              <a:buFont typeface="Wingdings" panose="05000000000000000000" pitchFamily="2" charset="2"/>
+              <a:buChar char="§"/>
+            </a:pPr>
+            <a:r>
+              <a:rPr lang="ru-RU" dirty="0"/>
+              <a:t>Он использует стандартные методы HTTP, такие как GET, POST, PUT и DELETE, вместо традиционных языков запросов к базе данных, таких как SQL. </a:t>
+            </a:r>
+            <a:endParaRPr lang="en-US" dirty="0"/>
+          </a:p>
+          <a:p>
+            <a:pPr marL="285750" indent="-285750">
+              <a:spcAft>
+                <a:spcPts val="1200"/>
+              </a:spcAft>
+              <a:buFont typeface="Wingdings" panose="05000000000000000000" pitchFamily="2" charset="2"/>
+              <a:buChar char="§"/>
+            </a:pPr>
+            <a:r>
+              <a:rPr lang="ru-RU" dirty="0"/>
+              <a:t>API REST возвращают данные в формате JSON.</a:t>
+            </a:r>
+            <a:endParaRPr lang="en-US" dirty="0"/>
+          </a:p>
+          <a:p>
+            <a:pPr marL="285750" indent="-285750">
+              <a:spcAft>
+                <a:spcPts val="1200"/>
+              </a:spcAft>
+              <a:buFont typeface="Wingdings" panose="05000000000000000000" pitchFamily="2" charset="2"/>
+              <a:buChar char="§"/>
+            </a:pPr>
+            <a:r>
+              <a:rPr lang="ru-RU" dirty="0" err="1"/>
+              <a:t>PostgREST</a:t>
+            </a:r>
+            <a:r>
+              <a:rPr lang="ru-RU" dirty="0"/>
+              <a:t> — это автономный веб-сервер, который может напрямую превратить базу данных </a:t>
+            </a:r>
+            <a:r>
+              <a:rPr lang="ru-RU" dirty="0" err="1"/>
+              <a:t>PostgreSQL</a:t>
+            </a:r>
+            <a:r>
+              <a:rPr lang="ru-RU" dirty="0"/>
+              <a:t> в </a:t>
+            </a:r>
+            <a:r>
+              <a:rPr lang="ru-RU" dirty="0" err="1"/>
+              <a:t>RESTful</a:t>
+            </a:r>
+            <a:r>
+              <a:rPr lang="ru-RU" dirty="0"/>
+              <a:t> API. </a:t>
+            </a:r>
+          </a:p>
+        </p:txBody>
+      </p:sp>
     </p:spTree>
     <p:extLst>
       <p:ext uri="{BB962C8B-B14F-4D97-AF65-F5344CB8AC3E}">
-        <p14:creationId xmlns:p14="http://schemas.microsoft.com/office/powerpoint/2010/main" val="3287078646"/>
+        <p14:creationId xmlns:p14="http://schemas.microsoft.com/office/powerpoint/2010/main" val="577470776"/>
       </p:ext>
     </p:extLst>
   </p:cSld>
@@ -6904,40 +7492,381 @@
           <a:chExt cx="0" cy="0"/>
         </a:xfrm>
       </p:grpSpPr>
-      <p:pic>
-        <p:nvPicPr>
-          <p:cNvPr id="2" name="Рисунок 1">
-            <a:extLst>
-              <a:ext uri="{FF2B5EF4-FFF2-40B4-BE49-F238E27FC236}">
-                <a16:creationId xmlns:a16="http://schemas.microsoft.com/office/drawing/2014/main" id="{45164A4A-A7A9-4FD2-8B55-BD4560543D39}"/>
-              </a:ext>
-            </a:extLst>
-          </p:cNvPr>
-          <p:cNvPicPr>
-            <a:picLocks noChangeAspect="1"/>
-          </p:cNvPicPr>
+      <p:sp>
+        <p:nvSpPr>
+          <p:cNvPr id="4" name="Прямоугольник 3">
+            <a:extLst>
+              <a:ext uri="{FF2B5EF4-FFF2-40B4-BE49-F238E27FC236}">
+                <a16:creationId xmlns:a16="http://schemas.microsoft.com/office/drawing/2014/main" id="{03C8F7B2-1594-4A28-9CD7-53189BBDBDC5}"/>
+              </a:ext>
+            </a:extLst>
+          </p:cNvPr>
+          <p:cNvSpPr/>
           <p:nvPr/>
-        </p:nvPicPr>
-        <p:blipFill>
-          <a:blip r:embed="rId2"/>
-          <a:stretch>
-            <a:fillRect/>
-          </a:stretch>
-        </p:blipFill>
-        <p:spPr>
-          <a:xfrm>
-            <a:off x="1537447" y="0"/>
-            <a:ext cx="9117106" cy="6858000"/>
+        </p:nvSpPr>
+        <p:spPr>
+          <a:xfrm>
+            <a:off x="286623" y="105013"/>
+            <a:ext cx="11618753" cy="6370975"/>
           </a:xfrm>
           <a:prstGeom prst="rect">
             <a:avLst/>
           </a:prstGeom>
         </p:spPr>
-      </p:pic>
+        <p:txBody>
+          <a:bodyPr wrap="square">
+            <a:spAutoFit/>
+          </a:bodyPr>
+          <a:lstStyle/>
+          <a:p>
+            <a:pPr algn="ctr"/>
+            <a:r>
+              <a:rPr lang="ru-RU" sz="2000" b="1" dirty="0">
+                <a:solidFill>
+                  <a:srgbClr val="01348D"/>
+                </a:solidFill>
+                <a:latin typeface="Open Sans"/>
+              </a:rPr>
+              <a:t>ПЛЮСЫ И МИНУСЫ </a:t>
+            </a:r>
+            <a:r>
+              <a:rPr lang="en-US" sz="2000" b="1" dirty="0">
+                <a:solidFill>
+                  <a:srgbClr val="01348D"/>
+                </a:solidFill>
+                <a:latin typeface="Open Sans"/>
+              </a:rPr>
+              <a:t>API</a:t>
+            </a:r>
+            <a:r>
+              <a:rPr lang="ru-RU" sz="2000" b="1" dirty="0">
+                <a:solidFill>
+                  <a:srgbClr val="01348D"/>
+                </a:solidFill>
+                <a:latin typeface="Open Sans"/>
+              </a:rPr>
+              <a:t>POSTGREST</a:t>
+            </a:r>
+            <a:endParaRPr lang="en-US" sz="2000" b="1" dirty="0">
+              <a:solidFill>
+                <a:srgbClr val="01348D"/>
+              </a:solidFill>
+              <a:latin typeface="Open Sans"/>
+            </a:endParaRPr>
+          </a:p>
+          <a:p>
+            <a:endParaRPr lang="ru-RU" sz="2000" b="1" dirty="0">
+              <a:solidFill>
+                <a:srgbClr val="01348D"/>
+              </a:solidFill>
+              <a:latin typeface="Open Sans"/>
+            </a:endParaRPr>
+          </a:p>
+          <a:p>
+            <a:r>
+              <a:rPr lang="ru-RU" sz="1600" dirty="0">
+                <a:solidFill>
+                  <a:srgbClr val="535353"/>
+                </a:solidFill>
+                <a:latin typeface="Open Sans"/>
+              </a:rPr>
+              <a:t>У реализации </a:t>
+            </a:r>
+            <a:r>
+              <a:rPr lang="ru-RU" sz="1600" b="1" dirty="0">
+                <a:solidFill>
+                  <a:srgbClr val="535353"/>
+                </a:solidFill>
+                <a:latin typeface="Open Sans"/>
+              </a:rPr>
+              <a:t>API </a:t>
+            </a:r>
+            <a:r>
+              <a:rPr lang="ru-RU" sz="1600" b="1" dirty="0" err="1">
+                <a:solidFill>
+                  <a:srgbClr val="535353"/>
+                </a:solidFill>
+                <a:latin typeface="Open Sans"/>
+              </a:rPr>
+              <a:t>PostgREST</a:t>
+            </a:r>
+            <a:r>
+              <a:rPr lang="ru-RU" sz="1600" b="1" dirty="0">
+                <a:solidFill>
+                  <a:srgbClr val="535353"/>
+                </a:solidFill>
+                <a:latin typeface="Open Sans"/>
+              </a:rPr>
+              <a:t> </a:t>
+            </a:r>
+            <a:r>
+              <a:rPr lang="ru-RU" sz="1600" dirty="0">
+                <a:solidFill>
+                  <a:srgbClr val="535353"/>
+                </a:solidFill>
+                <a:latin typeface="Open Sans"/>
+              </a:rPr>
+              <a:t>есть как плюсы, так и минусы. Их понимание поможет вам максимально эффективно использовать эти </a:t>
+            </a:r>
+            <a:r>
+              <a:rPr lang="ru-RU" sz="1600" b="1" dirty="0">
+                <a:solidFill>
+                  <a:srgbClr val="535353"/>
+                </a:solidFill>
+                <a:latin typeface="Open Sans"/>
+              </a:rPr>
+              <a:t>API</a:t>
+            </a:r>
+            <a:r>
+              <a:rPr lang="ru-RU" sz="1600" dirty="0">
+                <a:solidFill>
+                  <a:srgbClr val="535353"/>
+                </a:solidFill>
+                <a:latin typeface="Open Sans"/>
+              </a:rPr>
+              <a:t>. </a:t>
+            </a:r>
+            <a:endParaRPr lang="en-US" sz="1600" dirty="0">
+              <a:solidFill>
+                <a:srgbClr val="535353"/>
+              </a:solidFill>
+              <a:latin typeface="Open Sans"/>
+            </a:endParaRPr>
+          </a:p>
+          <a:p>
+            <a:endParaRPr lang="en-US" sz="1600" dirty="0">
+              <a:solidFill>
+                <a:srgbClr val="535353"/>
+              </a:solidFill>
+              <a:latin typeface="Open Sans"/>
+            </a:endParaRPr>
+          </a:p>
+          <a:p>
+            <a:r>
+              <a:rPr lang="ru-RU" sz="1600" b="1" dirty="0">
+                <a:solidFill>
+                  <a:srgbClr val="01348D"/>
+                </a:solidFill>
+                <a:latin typeface="Open Sans"/>
+              </a:rPr>
+              <a:t>Плюсы: </a:t>
+            </a:r>
+          </a:p>
+          <a:p>
+            <a:pPr indent="266700">
+              <a:buFont typeface="Arial" panose="020B0604020202020204" pitchFamily="34" charset="0"/>
+              <a:buChar char="•"/>
+            </a:pPr>
+            <a:r>
+              <a:rPr lang="ru-RU" sz="1600" dirty="0">
+                <a:latin typeface="Open Sans"/>
+              </a:rPr>
+              <a:t>Автоматическое создание </a:t>
+            </a:r>
+            <a:r>
+              <a:rPr lang="ru-RU" sz="1600" b="1" dirty="0">
+                <a:latin typeface="Open Sans"/>
+              </a:rPr>
+              <a:t>API</a:t>
+            </a:r>
+            <a:r>
+              <a:rPr lang="ru-RU" sz="1600" dirty="0">
+                <a:latin typeface="Open Sans"/>
+              </a:rPr>
+              <a:t> сводит к минимуму усилия по написанию кода, поэтому разработчики могут вместо этого сосредоточиться на логике приложения. </a:t>
+            </a:r>
+          </a:p>
+          <a:p>
+            <a:pPr indent="266700">
+              <a:buFont typeface="Arial" panose="020B0604020202020204" pitchFamily="34" charset="0"/>
+              <a:buChar char="•"/>
+            </a:pPr>
+            <a:r>
+              <a:rPr lang="ru-RU" sz="1600" dirty="0">
+                <a:latin typeface="Open Sans"/>
+              </a:rPr>
+              <a:t>Поскольку </a:t>
+            </a:r>
+            <a:r>
+              <a:rPr lang="ru-RU" sz="1600" b="1" dirty="0" err="1">
+                <a:latin typeface="Open Sans"/>
+              </a:rPr>
+              <a:t>PostgREST</a:t>
+            </a:r>
+            <a:r>
+              <a:rPr lang="ru-RU" sz="1600" dirty="0">
+                <a:latin typeface="Open Sans"/>
+              </a:rPr>
+              <a:t> использует схему базы данных для создания конечных точек, API немедленно отразит любые изменения в базе данных. </a:t>
+            </a:r>
+          </a:p>
+          <a:p>
+            <a:pPr indent="266700">
+              <a:buFont typeface="Arial" panose="020B0604020202020204" pitchFamily="34" charset="0"/>
+              <a:buChar char="•"/>
+            </a:pPr>
+            <a:r>
+              <a:rPr lang="ru-RU" sz="1600" dirty="0">
+                <a:latin typeface="Open Sans"/>
+              </a:rPr>
+              <a:t>Инструмент оптимизирован для повышения производительности, поэтому он эффективно обрабатывает подключения к базе данных и генерацию запросов. </a:t>
+            </a:r>
+          </a:p>
+          <a:p>
+            <a:pPr indent="266700">
+              <a:buFont typeface="Arial" panose="020B0604020202020204" pitchFamily="34" charset="0"/>
+              <a:buChar char="•"/>
+            </a:pPr>
+            <a:r>
+              <a:rPr lang="ru-RU" sz="1600" dirty="0">
+                <a:latin typeface="Open Sans"/>
+              </a:rPr>
+              <a:t>Он предлагает различные меры безопасности, такие как управление доступом на основе ролей и разрешения на операции с базой данных, а также интегрируется с JWT для безопасной передачи данных. </a:t>
+            </a:r>
+            <a:endParaRPr lang="en-US" sz="1600" dirty="0">
+              <a:latin typeface="Open Sans"/>
+            </a:endParaRPr>
+          </a:p>
+          <a:p>
+            <a:pPr indent="266700">
+              <a:buFont typeface="Arial" panose="020B0604020202020204" pitchFamily="34" charset="0"/>
+              <a:buChar char="•"/>
+            </a:pPr>
+            <a:r>
+              <a:rPr lang="ru-RU" sz="1600" dirty="0">
+                <a:latin typeface="Open Sans"/>
+              </a:rPr>
+              <a:t>Быстрое прототипированию приложений, в которых структура API напрямую зависит от схемы базы данных (т. е. конечные точки, параметры и ответы API создаются на основе таблиц, столбцов и связей базы данных).</a:t>
+            </a:r>
+            <a:endParaRPr lang="en-US" sz="1600" dirty="0">
+              <a:latin typeface="Open Sans"/>
+            </a:endParaRPr>
+          </a:p>
+          <a:p>
+            <a:pPr>
+              <a:buFont typeface="Arial" panose="020B0604020202020204" pitchFamily="34" charset="0"/>
+              <a:buChar char="•"/>
+            </a:pPr>
+            <a:endParaRPr lang="ru-RU" sz="1600" dirty="0">
+              <a:solidFill>
+                <a:srgbClr val="535353"/>
+              </a:solidFill>
+              <a:latin typeface="Open Sans"/>
+            </a:endParaRPr>
+          </a:p>
+          <a:p>
+            <a:r>
+              <a:rPr lang="ru-RU" sz="1600" b="1" dirty="0">
+                <a:solidFill>
+                  <a:srgbClr val="01348D"/>
+                </a:solidFill>
+                <a:latin typeface="Open Sans"/>
+              </a:rPr>
+              <a:t>Минусы: </a:t>
+            </a:r>
+            <a:endParaRPr lang="en-US" sz="1600" b="1" dirty="0">
+              <a:solidFill>
+                <a:srgbClr val="01348D"/>
+              </a:solidFill>
+              <a:latin typeface="Open Sans"/>
+            </a:endParaRPr>
+          </a:p>
+          <a:p>
+            <a:endParaRPr lang="ru-RU" sz="1600" b="1" dirty="0">
+              <a:solidFill>
+                <a:srgbClr val="01348D"/>
+              </a:solidFill>
+              <a:latin typeface="Open Sans"/>
+            </a:endParaRPr>
+          </a:p>
+          <a:p>
+            <a:pPr indent="180975">
+              <a:buFont typeface="Arial" panose="020B0604020202020204" pitchFamily="34" charset="0"/>
+              <a:buChar char="•"/>
+            </a:pPr>
+            <a:r>
+              <a:rPr lang="ru-RU" sz="1600" dirty="0" err="1">
+                <a:latin typeface="Open Sans"/>
+              </a:rPr>
+              <a:t>PostgREST</a:t>
+            </a:r>
+            <a:r>
+              <a:rPr lang="ru-RU" sz="1600" dirty="0">
+                <a:latin typeface="Open Sans"/>
+              </a:rPr>
+              <a:t> очень эффективен для базовых операций CRUD, но работа с более </a:t>
+            </a:r>
+            <a:r>
+              <a:rPr lang="ru-RU" sz="1600" b="1" dirty="0">
+                <a:latin typeface="Open Sans"/>
+              </a:rPr>
+              <a:t>сложной бизнес-логикой </a:t>
+            </a:r>
+            <a:r>
+              <a:rPr lang="ru-RU" sz="1600" dirty="0">
+                <a:latin typeface="Open Sans"/>
+              </a:rPr>
+              <a:t>может быть сложной и требовать внешней специальной разработки. </a:t>
+            </a:r>
+          </a:p>
+          <a:p>
+            <a:pPr indent="180975">
+              <a:buFont typeface="Arial" panose="020B0604020202020204" pitchFamily="34" charset="0"/>
+              <a:buChar char="•"/>
+            </a:pPr>
+            <a:r>
+              <a:rPr lang="ru-RU" sz="1600" dirty="0">
+                <a:latin typeface="Open Sans"/>
+              </a:rPr>
+              <a:t>Разработка пользовательских рабочих процессов или интеграция </a:t>
+            </a:r>
+            <a:r>
+              <a:rPr lang="ru-RU" sz="1600" b="1" dirty="0" err="1">
+                <a:latin typeface="Open Sans"/>
+              </a:rPr>
+              <a:t>PostgREST</a:t>
+            </a:r>
+            <a:r>
+              <a:rPr lang="ru-RU" sz="1600" dirty="0">
+                <a:latin typeface="Open Sans"/>
+              </a:rPr>
+              <a:t> со сторонними системами требует дополнительных инструментов или ручного написания кода. </a:t>
+            </a:r>
+          </a:p>
+          <a:p>
+            <a:pPr indent="180975">
+              <a:buFont typeface="Arial" panose="020B0604020202020204" pitchFamily="34" charset="0"/>
+              <a:buChar char="•"/>
+            </a:pPr>
+            <a:r>
+              <a:rPr lang="ru-RU" sz="1600" dirty="0">
+                <a:latin typeface="Open Sans"/>
+              </a:rPr>
+              <a:t>Для полного использования </a:t>
+            </a:r>
+            <a:r>
+              <a:rPr lang="ru-RU" sz="1600" dirty="0" err="1">
+                <a:latin typeface="Open Sans"/>
+              </a:rPr>
+              <a:t>PostgREST</a:t>
+            </a:r>
+            <a:r>
+              <a:rPr lang="ru-RU" sz="1600" dirty="0">
+                <a:latin typeface="Open Sans"/>
+              </a:rPr>
+              <a:t> требуется понимание его более продвинутых функций, таких как внешние ключи, транзакции, наследование и оконные функции.</a:t>
+            </a:r>
+            <a:endParaRPr lang="ru-RU" sz="1600" b="0" i="0" dirty="0">
+              <a:effectLst/>
+              <a:latin typeface="Open Sans"/>
+            </a:endParaRPr>
+          </a:p>
+        </p:txBody>
+      </p:sp>
     </p:spTree>
     <p:extLst>
       <p:ext uri="{BB962C8B-B14F-4D97-AF65-F5344CB8AC3E}">
-        <p14:creationId xmlns:p14="http://schemas.microsoft.com/office/powerpoint/2010/main" val="1776435373"/>
+        <p14:creationId xmlns:p14="http://schemas.microsoft.com/office/powerpoint/2010/main" val="1898456521"/>
       </p:ext>
     </p:extLst>
   </p:cSld>
@@ -6969,7 +7898,7 @@
           <p:cNvPr id="2" name="Рисунок 1">
             <a:extLst>
               <a:ext uri="{FF2B5EF4-FFF2-40B4-BE49-F238E27FC236}">
-                <a16:creationId xmlns:a16="http://schemas.microsoft.com/office/drawing/2014/main" id="{EDD022C2-944C-4A86-8919-0781C523F441}"/>
+                <a16:creationId xmlns:a16="http://schemas.microsoft.com/office/drawing/2014/main" id="{C8824C66-A1F6-4976-9DDE-02C8BDC88198}"/>
               </a:ext>
             </a:extLst>
           </p:cNvPr>
@@ -6986,8 +7915,8 @@
         </p:blipFill>
         <p:spPr>
           <a:xfrm>
-            <a:off x="1555254" y="0"/>
-            <a:ext cx="9081492" cy="6858000"/>
+            <a:off x="1525498" y="0"/>
+            <a:ext cx="9141004" cy="6858000"/>
           </a:xfrm>
           <a:prstGeom prst="rect">
             <a:avLst/>
@@ -6997,7 +7926,7 @@
     </p:spTree>
     <p:extLst>
       <p:ext uri="{BB962C8B-B14F-4D97-AF65-F5344CB8AC3E}">
-        <p14:creationId xmlns:p14="http://schemas.microsoft.com/office/powerpoint/2010/main" val="2723471174"/>
+        <p14:creationId xmlns:p14="http://schemas.microsoft.com/office/powerpoint/2010/main" val="3287078646"/>
       </p:ext>
     </p:extLst>
   </p:cSld>
@@ -7029,7 +7958,7 @@
           <p:cNvPr id="2" name="Рисунок 1">
             <a:extLst>
               <a:ext uri="{FF2B5EF4-FFF2-40B4-BE49-F238E27FC236}">
-                <a16:creationId xmlns:a16="http://schemas.microsoft.com/office/drawing/2014/main" id="{A13616E8-2589-42DE-9FC6-33222F5C654A}"/>
+                <a16:creationId xmlns:a16="http://schemas.microsoft.com/office/drawing/2014/main" id="{45164A4A-A7A9-4FD2-8B55-BD4560543D39}"/>
               </a:ext>
             </a:extLst>
           </p:cNvPr>
@@ -7046,8 +7975,8 @@
         </p:blipFill>
         <p:spPr>
           <a:xfrm>
-            <a:off x="1529992" y="0"/>
-            <a:ext cx="9132016" cy="6858000"/>
+            <a:off x="1537447" y="0"/>
+            <a:ext cx="9117106" cy="6858000"/>
           </a:xfrm>
           <a:prstGeom prst="rect">
             <a:avLst/>
@@ -7057,7 +7986,7 @@
     </p:spTree>
     <p:extLst>
       <p:ext uri="{BB962C8B-B14F-4D97-AF65-F5344CB8AC3E}">
-        <p14:creationId xmlns:p14="http://schemas.microsoft.com/office/powerpoint/2010/main" val="94728922"/>
+        <p14:creationId xmlns:p14="http://schemas.microsoft.com/office/powerpoint/2010/main" val="1776435373"/>
       </p:ext>
     </p:extLst>
   </p:cSld>
@@ -7089,7 +8018,7 @@
           <p:cNvPr id="2" name="Рисунок 1">
             <a:extLst>
               <a:ext uri="{FF2B5EF4-FFF2-40B4-BE49-F238E27FC236}">
-                <a16:creationId xmlns:a16="http://schemas.microsoft.com/office/drawing/2014/main" id="{D0BAAD27-ADF4-4991-9513-C5B89B1D2D70}"/>
+                <a16:creationId xmlns:a16="http://schemas.microsoft.com/office/drawing/2014/main" id="{EDD022C2-944C-4A86-8919-0781C523F441}"/>
               </a:ext>
             </a:extLst>
           </p:cNvPr>
@@ -7106,8 +8035,8 @@
         </p:blipFill>
         <p:spPr>
           <a:xfrm>
-            <a:off x="1543474" y="0"/>
-            <a:ext cx="9105052" cy="6858000"/>
+            <a:off x="1555254" y="0"/>
+            <a:ext cx="9081492" cy="6858000"/>
           </a:xfrm>
           <a:prstGeom prst="rect">
             <a:avLst/>
@@ -7117,7 +8046,7 @@
     </p:spTree>
     <p:extLst>
       <p:ext uri="{BB962C8B-B14F-4D97-AF65-F5344CB8AC3E}">
-        <p14:creationId xmlns:p14="http://schemas.microsoft.com/office/powerpoint/2010/main" val="2752426826"/>
+        <p14:creationId xmlns:p14="http://schemas.microsoft.com/office/powerpoint/2010/main" val="2723471174"/>
       </p:ext>
     </p:extLst>
   </p:cSld>

--- a/for_students/DAY-2/ppt/dev1_07.pptx
+++ b/for_students/DAY-2/ppt/dev1_07.pptx
@@ -22,12 +22,13 @@
     <p:sldId id="288" r:id="rId16"/>
     <p:sldId id="286" r:id="rId17"/>
     <p:sldId id="287" r:id="rId18"/>
-    <p:sldId id="280" r:id="rId19"/>
-    <p:sldId id="281" r:id="rId20"/>
-    <p:sldId id="282" r:id="rId21"/>
-    <p:sldId id="283" r:id="rId22"/>
-    <p:sldId id="284" r:id="rId23"/>
-    <p:sldId id="285" r:id="rId24"/>
+    <p:sldId id="291" r:id="rId19"/>
+    <p:sldId id="280" r:id="rId20"/>
+    <p:sldId id="281" r:id="rId21"/>
+    <p:sldId id="282" r:id="rId22"/>
+    <p:sldId id="283" r:id="rId23"/>
+    <p:sldId id="284" r:id="rId24"/>
+    <p:sldId id="285" r:id="rId25"/>
   </p:sldIdLst>
   <p:sldSz cx="12192000" cy="6858000"/>
   <p:notesSz cx="6858000" cy="9144000"/>
@@ -281,7 +282,7 @@
           <a:p>
             <a:fld id="{EF790F8C-5FB9-4EFE-BCC7-F735A3026FD8}" type="datetimeFigureOut">
               <a:rPr lang="ru-RU" smtClean="0"/>
-              <a:t>21.09.2024</a:t>
+              <a:t>24.09.2024</a:t>
             </a:fld>
             <a:endParaRPr lang="ru-RU"/>
           </a:p>
@@ -479,7 +480,7 @@
           <a:p>
             <a:fld id="{EF790F8C-5FB9-4EFE-BCC7-F735A3026FD8}" type="datetimeFigureOut">
               <a:rPr lang="ru-RU" smtClean="0"/>
-              <a:t>21.09.2024</a:t>
+              <a:t>24.09.2024</a:t>
             </a:fld>
             <a:endParaRPr lang="ru-RU"/>
           </a:p>
@@ -687,7 +688,7 @@
           <a:p>
             <a:fld id="{EF790F8C-5FB9-4EFE-BCC7-F735A3026FD8}" type="datetimeFigureOut">
               <a:rPr lang="ru-RU" smtClean="0"/>
-              <a:t>21.09.2024</a:t>
+              <a:t>24.09.2024</a:t>
             </a:fld>
             <a:endParaRPr lang="ru-RU"/>
           </a:p>
@@ -1699,7 +1700,7 @@
           <a:p>
             <a:fld id="{EF790F8C-5FB9-4EFE-BCC7-F735A3026FD8}" type="datetimeFigureOut">
               <a:rPr lang="ru-RU" smtClean="0"/>
-              <a:t>21.09.2024</a:t>
+              <a:t>24.09.2024</a:t>
             </a:fld>
             <a:endParaRPr lang="ru-RU"/>
           </a:p>
@@ -2810,7 +2811,7 @@
           <a:p>
             <a:fld id="{EF790F8C-5FB9-4EFE-BCC7-F735A3026FD8}" type="datetimeFigureOut">
               <a:rPr lang="ru-RU" smtClean="0"/>
-              <a:t>21.09.2024</a:t>
+              <a:t>24.09.2024</a:t>
             </a:fld>
             <a:endParaRPr lang="ru-RU"/>
           </a:p>
@@ -3085,7 +3086,7 @@
           <a:p>
             <a:fld id="{EF790F8C-5FB9-4EFE-BCC7-F735A3026FD8}" type="datetimeFigureOut">
               <a:rPr lang="ru-RU" smtClean="0"/>
-              <a:t>21.09.2024</a:t>
+              <a:t>24.09.2024</a:t>
             </a:fld>
             <a:endParaRPr lang="ru-RU"/>
           </a:p>
@@ -3350,7 +3351,7 @@
           <a:p>
             <a:fld id="{EF790F8C-5FB9-4EFE-BCC7-F735A3026FD8}" type="datetimeFigureOut">
               <a:rPr lang="ru-RU" smtClean="0"/>
-              <a:t>21.09.2024</a:t>
+              <a:t>24.09.2024</a:t>
             </a:fld>
             <a:endParaRPr lang="ru-RU"/>
           </a:p>
@@ -3762,7 +3763,7 @@
           <a:p>
             <a:fld id="{EF790F8C-5FB9-4EFE-BCC7-F735A3026FD8}" type="datetimeFigureOut">
               <a:rPr lang="ru-RU" smtClean="0"/>
-              <a:t>21.09.2024</a:t>
+              <a:t>24.09.2024</a:t>
             </a:fld>
             <a:endParaRPr lang="ru-RU"/>
           </a:p>
@@ -3903,7 +3904,7 @@
           <a:p>
             <a:fld id="{EF790F8C-5FB9-4EFE-BCC7-F735A3026FD8}" type="datetimeFigureOut">
               <a:rPr lang="ru-RU" smtClean="0"/>
-              <a:t>21.09.2024</a:t>
+              <a:t>24.09.2024</a:t>
             </a:fld>
             <a:endParaRPr lang="ru-RU"/>
           </a:p>
@@ -4016,7 +4017,7 @@
           <a:p>
             <a:fld id="{EF790F8C-5FB9-4EFE-BCC7-F735A3026FD8}" type="datetimeFigureOut">
               <a:rPr lang="ru-RU" smtClean="0"/>
-              <a:t>21.09.2024</a:t>
+              <a:t>24.09.2024</a:t>
             </a:fld>
             <a:endParaRPr lang="ru-RU"/>
           </a:p>
@@ -4327,7 +4328,7 @@
           <a:p>
             <a:fld id="{EF790F8C-5FB9-4EFE-BCC7-F735A3026FD8}" type="datetimeFigureOut">
               <a:rPr lang="ru-RU" smtClean="0"/>
-              <a:t>21.09.2024</a:t>
+              <a:t>24.09.2024</a:t>
             </a:fld>
             <a:endParaRPr lang="ru-RU"/>
           </a:p>
@@ -4615,7 +4616,7 @@
           <a:p>
             <a:fld id="{EF790F8C-5FB9-4EFE-BCC7-F735A3026FD8}" type="datetimeFigureOut">
               <a:rPr lang="ru-RU" smtClean="0"/>
-              <a:t>21.09.2024</a:t>
+              <a:t>24.09.2024</a:t>
             </a:fld>
             <a:endParaRPr lang="ru-RU"/>
           </a:p>
@@ -4856,7 +4857,7 @@
           <a:p>
             <a:fld id="{EF790F8C-5FB9-4EFE-BCC7-F735A3026FD8}" type="datetimeFigureOut">
               <a:rPr lang="ru-RU" smtClean="0"/>
-              <a:t>21.09.2024</a:t>
+              <a:t>24.09.2024</a:t>
             </a:fld>
             <a:endParaRPr lang="ru-RU"/>
           </a:p>
@@ -6728,10 +6729,10 @@
       </p:grpSpPr>
       <p:pic>
         <p:nvPicPr>
-          <p:cNvPr id="3" name="Рисунок 2">
-            <a:extLst>
-              <a:ext uri="{FF2B5EF4-FFF2-40B4-BE49-F238E27FC236}">
-                <a16:creationId xmlns:a16="http://schemas.microsoft.com/office/drawing/2014/main" id="{A5FF6F4D-2008-4BC1-A899-8B6E6FE177CE}"/>
+          <p:cNvPr id="4" name="Рисунок 3">
+            <a:extLst>
+              <a:ext uri="{FF2B5EF4-FFF2-40B4-BE49-F238E27FC236}">
+                <a16:creationId xmlns:a16="http://schemas.microsoft.com/office/drawing/2014/main" id="{F313563B-4FF5-40E0-B669-D451D818CD6D}"/>
               </a:ext>
             </a:extLst>
           </p:cNvPr>
@@ -6748,8 +6749,8 @@
         </p:blipFill>
         <p:spPr>
           <a:xfrm>
-            <a:off x="1535922" y="0"/>
-            <a:ext cx="9120156" cy="6858000"/>
+            <a:off x="1363481" y="1958197"/>
+            <a:ext cx="8916869" cy="1773429"/>
           </a:xfrm>
           <a:prstGeom prst="rect">
             <a:avLst/>
@@ -6759,7 +6760,7 @@
     </p:spTree>
     <p:extLst>
       <p:ext uri="{BB962C8B-B14F-4D97-AF65-F5344CB8AC3E}">
-        <p14:creationId xmlns:p14="http://schemas.microsoft.com/office/powerpoint/2010/main" val="1102133431"/>
+        <p14:creationId xmlns:p14="http://schemas.microsoft.com/office/powerpoint/2010/main" val="619845228"/>
       </p:ext>
     </p:extLst>
   </p:cSld>
@@ -6791,7 +6792,7 @@
           <p:cNvPr id="3" name="Рисунок 2">
             <a:extLst>
               <a:ext uri="{FF2B5EF4-FFF2-40B4-BE49-F238E27FC236}">
-                <a16:creationId xmlns:a16="http://schemas.microsoft.com/office/drawing/2014/main" id="{7C05270E-AEF7-4497-B6E2-2B8D3DA1BFB1}"/>
+                <a16:creationId xmlns:a16="http://schemas.microsoft.com/office/drawing/2014/main" id="{A5FF6F4D-2008-4BC1-A899-8B6E6FE177CE}"/>
               </a:ext>
             </a:extLst>
           </p:cNvPr>
@@ -6808,8 +6809,8 @@
         </p:blipFill>
         <p:spPr>
           <a:xfrm>
-            <a:off x="1531451" y="0"/>
-            <a:ext cx="9129097" cy="6858000"/>
+            <a:off x="1535922" y="0"/>
+            <a:ext cx="9120156" cy="6858000"/>
           </a:xfrm>
           <a:prstGeom prst="rect">
             <a:avLst/>
@@ -6819,7 +6820,7 @@
     </p:spTree>
     <p:extLst>
       <p:ext uri="{BB962C8B-B14F-4D97-AF65-F5344CB8AC3E}">
-        <p14:creationId xmlns:p14="http://schemas.microsoft.com/office/powerpoint/2010/main" val="1401679065"/>
+        <p14:creationId xmlns:p14="http://schemas.microsoft.com/office/powerpoint/2010/main" val="1102133431"/>
       </p:ext>
     </p:extLst>
   </p:cSld>
@@ -6848,10 +6849,10 @@
       </p:grpSpPr>
       <p:pic>
         <p:nvPicPr>
-          <p:cNvPr id="2" name="Рисунок 1">
-            <a:extLst>
-              <a:ext uri="{FF2B5EF4-FFF2-40B4-BE49-F238E27FC236}">
-                <a16:creationId xmlns:a16="http://schemas.microsoft.com/office/drawing/2014/main" id="{A2D57C8F-542A-4CE6-B898-645C3A683088}"/>
+          <p:cNvPr id="3" name="Рисунок 2">
+            <a:extLst>
+              <a:ext uri="{FF2B5EF4-FFF2-40B4-BE49-F238E27FC236}">
+                <a16:creationId xmlns:a16="http://schemas.microsoft.com/office/drawing/2014/main" id="{7C05270E-AEF7-4497-B6E2-2B8D3DA1BFB1}"/>
               </a:ext>
             </a:extLst>
           </p:cNvPr>
@@ -6868,8 +6869,8 @@
         </p:blipFill>
         <p:spPr>
           <a:xfrm>
-            <a:off x="1543398" y="0"/>
-            <a:ext cx="9105204" cy="6858000"/>
+            <a:off x="1531451" y="0"/>
+            <a:ext cx="9129097" cy="6858000"/>
           </a:xfrm>
           <a:prstGeom prst="rect">
             <a:avLst/>
@@ -6879,7 +6880,7 @@
     </p:spTree>
     <p:extLst>
       <p:ext uri="{BB962C8B-B14F-4D97-AF65-F5344CB8AC3E}">
-        <p14:creationId xmlns:p14="http://schemas.microsoft.com/office/powerpoint/2010/main" val="2074684787"/>
+        <p14:creationId xmlns:p14="http://schemas.microsoft.com/office/powerpoint/2010/main" val="1401679065"/>
       </p:ext>
     </p:extLst>
   </p:cSld>
@@ -6971,7 +6972,7 @@
           <p:cNvPr id="2" name="Рисунок 1">
             <a:extLst>
               <a:ext uri="{FF2B5EF4-FFF2-40B4-BE49-F238E27FC236}">
-                <a16:creationId xmlns:a16="http://schemas.microsoft.com/office/drawing/2014/main" id="{B6729998-6048-4885-A4C4-78D9CA2D6C0F}"/>
+                <a16:creationId xmlns:a16="http://schemas.microsoft.com/office/drawing/2014/main" id="{A2D57C8F-542A-4CE6-B898-645C3A683088}"/>
               </a:ext>
             </a:extLst>
           </p:cNvPr>
@@ -6988,8 +6989,8 @@
         </p:blipFill>
         <p:spPr>
           <a:xfrm>
-            <a:off x="1509039" y="0"/>
-            <a:ext cx="9173921" cy="6858000"/>
+            <a:off x="1543398" y="0"/>
+            <a:ext cx="9105204" cy="6858000"/>
           </a:xfrm>
           <a:prstGeom prst="rect">
             <a:avLst/>
@@ -6999,7 +7000,7 @@
     </p:spTree>
     <p:extLst>
       <p:ext uri="{BB962C8B-B14F-4D97-AF65-F5344CB8AC3E}">
-        <p14:creationId xmlns:p14="http://schemas.microsoft.com/office/powerpoint/2010/main" val="3324844830"/>
+        <p14:creationId xmlns:p14="http://schemas.microsoft.com/office/powerpoint/2010/main" val="2074684787"/>
       </p:ext>
     </p:extLst>
   </p:cSld>
@@ -7031,6 +7032,66 @@
           <p:cNvPr id="2" name="Рисунок 1">
             <a:extLst>
               <a:ext uri="{FF2B5EF4-FFF2-40B4-BE49-F238E27FC236}">
+                <a16:creationId xmlns:a16="http://schemas.microsoft.com/office/drawing/2014/main" id="{B6729998-6048-4885-A4C4-78D9CA2D6C0F}"/>
+              </a:ext>
+            </a:extLst>
+          </p:cNvPr>
+          <p:cNvPicPr>
+            <a:picLocks noChangeAspect="1"/>
+          </p:cNvPicPr>
+          <p:nvPr/>
+        </p:nvPicPr>
+        <p:blipFill>
+          <a:blip r:embed="rId2"/>
+          <a:stretch>
+            <a:fillRect/>
+          </a:stretch>
+        </p:blipFill>
+        <p:spPr>
+          <a:xfrm>
+            <a:off x="1509039" y="0"/>
+            <a:ext cx="9173921" cy="6858000"/>
+          </a:xfrm>
+          <a:prstGeom prst="rect">
+            <a:avLst/>
+          </a:prstGeom>
+        </p:spPr>
+      </p:pic>
+    </p:spTree>
+    <p:extLst>
+      <p:ext uri="{BB962C8B-B14F-4D97-AF65-F5344CB8AC3E}">
+        <p14:creationId xmlns:p14="http://schemas.microsoft.com/office/powerpoint/2010/main" val="3324844830"/>
+      </p:ext>
+    </p:extLst>
+  </p:cSld>
+  <p:clrMapOvr>
+    <a:masterClrMapping/>
+  </p:clrMapOvr>
+</p:sld>
+</file>
+
+<file path=ppt/slides/slide22.xml><?xml version="1.0" encoding="utf-8"?>
+<p:sld xmlns:a="http://schemas.openxmlformats.org/drawingml/2006/main" xmlns:r="http://schemas.openxmlformats.org/officeDocument/2006/relationships" xmlns:p="http://schemas.openxmlformats.org/presentationml/2006/main">
+  <p:cSld>
+    <p:spTree>
+      <p:nvGrpSpPr>
+        <p:cNvPr id="1" name=""/>
+        <p:cNvGrpSpPr/>
+        <p:nvPr/>
+      </p:nvGrpSpPr>
+      <p:grpSpPr>
+        <a:xfrm>
+          <a:off x="0" y="0"/>
+          <a:ext cx="0" cy="0"/>
+          <a:chOff x="0" y="0"/>
+          <a:chExt cx="0" cy="0"/>
+        </a:xfrm>
+      </p:grpSpPr>
+      <p:pic>
+        <p:nvPicPr>
+          <p:cNvPr id="2" name="Рисунок 1">
+            <a:extLst>
+              <a:ext uri="{FF2B5EF4-FFF2-40B4-BE49-F238E27FC236}">
                 <a16:creationId xmlns:a16="http://schemas.microsoft.com/office/drawing/2014/main" id="{B7C74A5A-D6F9-48F7-B892-2A4879C6B7C2}"/>
               </a:ext>
             </a:extLst>
@@ -7069,7 +7130,7 @@
 </p:sld>
 </file>
 
-<file path=ppt/slides/slide22.xml><?xml version="1.0" encoding="utf-8"?>
+<file path=ppt/slides/slide23.xml><?xml version="1.0" encoding="utf-8"?>
 <p:sld xmlns:a="http://schemas.openxmlformats.org/drawingml/2006/main" xmlns:r="http://schemas.openxmlformats.org/officeDocument/2006/relationships" xmlns:p="http://schemas.openxmlformats.org/presentationml/2006/main">
   <p:cSld>
     <p:spTree>
